--- a/dbflute/misc/doc/ref/session/resource/DonyuPoint-sc2009spring-dbflute.pptx
+++ b/dbflute/misc/doc/ref/session/resource/DonyuPoint-sc2009spring-dbflute.pptx
@@ -356,7 +356,7 @@
             <a:fld id="{486859C1-2773-5447-993A-E41CB1E373DC}" type="datetimeFigureOut">
               <a:rPr lang="ja-JP" altLang="en-US" smtClean="0"/>
               <a:pPr/>
-              <a:t>09.6.3</a:t>
+              <a:t>09.6.9</a:t>
             </a:fld>
             <a:endParaRPr lang="ja-JP" altLang="en-US"/>
           </a:p>
@@ -503,7 +503,7 @@
             <a:fld id="{486859C1-2773-5447-993A-E41CB1E373DC}" type="datetimeFigureOut">
               <a:rPr lang="ja-JP" altLang="en-US" smtClean="0"/>
               <a:pPr/>
-              <a:t>09.6.3</a:t>
+              <a:t>09.6.9</a:t>
             </a:fld>
             <a:endParaRPr lang="ja-JP" altLang="en-US"/>
           </a:p>
@@ -1086,7 +1086,7 @@
             <a:fld id="{486859C1-2773-5447-993A-E41CB1E373DC}" type="datetimeFigureOut">
               <a:rPr lang="ja-JP" altLang="en-US" smtClean="0"/>
               <a:pPr/>
-              <a:t>09.6.3</a:t>
+              <a:t>09.6.9</a:t>
             </a:fld>
             <a:endParaRPr lang="ja-JP" altLang="en-US"/>
           </a:p>
@@ -1552,7 +1552,7 @@
             <a:fld id="{486859C1-2773-5447-993A-E41CB1E373DC}" type="datetimeFigureOut">
               <a:rPr lang="ja-JP" altLang="en-US" smtClean="0"/>
               <a:pPr/>
-              <a:t>09.6.3</a:t>
+              <a:t>09.6.9</a:t>
             </a:fld>
             <a:endParaRPr lang="ja-JP" altLang="en-US"/>
           </a:p>
@@ -1644,7 +1644,7 @@
             <a:fld id="{486859C1-2773-5447-993A-E41CB1E373DC}" type="datetimeFigureOut">
               <a:rPr lang="ja-JP" altLang="en-US" smtClean="0"/>
               <a:pPr/>
-              <a:t>09.6.3</a:t>
+              <a:t>09.6.9</a:t>
             </a:fld>
             <a:endParaRPr lang="ja-JP" altLang="en-US"/>
           </a:p>
@@ -1953,7 +1953,7 @@
             <a:fld id="{486859C1-2773-5447-993A-E41CB1E373DC}" type="datetimeFigureOut">
               <a:rPr lang="ja-JP" altLang="en-US" smtClean="0"/>
               <a:pPr/>
-              <a:t>09.6.3</a:t>
+              <a:t>09.6.9</a:t>
             </a:fld>
             <a:endParaRPr lang="ja-JP" altLang="en-US"/>
           </a:p>
@@ -2145,7 +2145,7 @@
             <a:fld id="{486859C1-2773-5447-993A-E41CB1E373DC}" type="datetimeFigureOut">
               <a:rPr lang="ja-JP" altLang="en-US" smtClean="0"/>
               <a:pPr/>
-              <a:t>09.6.3</a:t>
+              <a:t>09.6.9</a:t>
             </a:fld>
             <a:endParaRPr lang="ja-JP" altLang="en-US"/>
           </a:p>
@@ -2886,7 +2886,7 @@
             <a:fld id="{486859C1-2773-5447-993A-E41CB1E373DC}" type="datetimeFigureOut">
               <a:rPr lang="ja-JP" altLang="en-US" smtClean="0"/>
               <a:pPr/>
-              <a:t>09.6.3</a:t>
+              <a:t>09.6.9</a:t>
             </a:fld>
             <a:endParaRPr lang="ja-JP" altLang="en-US"/>
           </a:p>
@@ -3226,7 +3226,7 @@
             <a:fld id="{486859C1-2773-5447-993A-E41CB1E373DC}" type="datetimeFigureOut">
               <a:rPr lang="ja-JP" altLang="en-US" smtClean="0"/>
               <a:pPr/>
-              <a:t>09.6.3</a:t>
+              <a:t>09.6.9</a:t>
             </a:fld>
             <a:endParaRPr lang="ja-JP" altLang="en-US"/>
           </a:p>
@@ -3825,7 +3825,7 @@
             <a:fld id="{486859C1-2773-5447-993A-E41CB1E373DC}" type="datetimeFigureOut">
               <a:rPr lang="ja-JP" altLang="en-US" smtClean="0"/>
               <a:pPr/>
-              <a:t>09.6.3</a:t>
+              <a:t>09.6.9</a:t>
             </a:fld>
             <a:endParaRPr lang="ja-JP" altLang="en-US"/>
           </a:p>
@@ -4038,7 +4038,7 @@
             <a:fld id="{486859C1-2773-5447-993A-E41CB1E373DC}" type="datetimeFigureOut">
               <a:rPr lang="ja-JP" altLang="en-US" smtClean="0"/>
               <a:pPr/>
-              <a:t>09.6.3</a:t>
+              <a:t>09.6.9</a:t>
             </a:fld>
             <a:endParaRPr lang="ja-JP" altLang="en-US"/>
           </a:p>
@@ -4237,7 +4237,7 @@
             <a:fld id="{486859C1-2773-5447-993A-E41CB1E373DC}" type="datetimeFigureOut">
               <a:rPr lang="ja-JP" altLang="en-US" smtClean="0"/>
               <a:pPr/>
-              <a:t>09.6.3</a:t>
+              <a:t>09.6.9</a:t>
             </a:fld>
             <a:endParaRPr lang="ja-JP" altLang="en-US"/>
           </a:p>
@@ -4460,7 +4460,7 @@
             <a:fld id="{486859C1-2773-5447-993A-E41CB1E373DC}" type="datetimeFigureOut">
               <a:rPr lang="ja-JP" altLang="en-US" smtClean="0"/>
               <a:pPr/>
-              <a:t>09.6.3</a:t>
+              <a:t>09.6.9</a:t>
             </a:fld>
             <a:endParaRPr lang="ja-JP" altLang="en-US"/>
           </a:p>
@@ -4881,7 +4881,7 @@
             <a:fld id="{486859C1-2773-5447-993A-E41CB1E373DC}" type="datetimeFigureOut">
               <a:rPr lang="ja-JP" altLang="en-US" smtClean="0"/>
               <a:pPr/>
-              <a:t>09.6.3</a:t>
+              <a:t>09.6.9</a:t>
             </a:fld>
             <a:endParaRPr lang="ja-JP" altLang="en-US"/>
           </a:p>
@@ -5181,7 +5181,7 @@
             <a:fld id="{486859C1-2773-5447-993A-E41CB1E373DC}" type="datetimeFigureOut">
               <a:rPr lang="ja-JP" altLang="en-US" smtClean="0"/>
               <a:pPr/>
-              <a:t>09.6.3</a:t>
+              <a:t>09.6.9</a:t>
             </a:fld>
             <a:endParaRPr lang="ja-JP" altLang="en-US"/>
           </a:p>
@@ -5584,7 +5584,7 @@
             <a:fld id="{486859C1-2773-5447-993A-E41CB1E373DC}" type="datetimeFigureOut">
               <a:rPr lang="ja-JP" altLang="en-US" smtClean="0"/>
               <a:pPr/>
-              <a:t>09.6.3</a:t>
+              <a:t>09.6.9</a:t>
             </a:fld>
             <a:endParaRPr lang="ja-JP" altLang="en-US"/>
           </a:p>
@@ -5976,7 +5976,7 @@
             <a:fld id="{486859C1-2773-5447-993A-E41CB1E373DC}" type="datetimeFigureOut">
               <a:rPr lang="ja-JP" altLang="en-US" smtClean="0"/>
               <a:pPr/>
-              <a:t>09.6.3</a:t>
+              <a:t>09.6.9</a:t>
             </a:fld>
             <a:endParaRPr lang="ja-JP" altLang="en-US"/>
           </a:p>
@@ -6325,7 +6325,7 @@
             <a:fld id="{486859C1-2773-5447-993A-E41CB1E373DC}" type="datetimeFigureOut">
               <a:rPr lang="ja-JP" altLang="en-US" smtClean="0"/>
               <a:pPr/>
-              <a:t>09.6.3</a:t>
+              <a:t>09.6.9</a:t>
             </a:fld>
             <a:endParaRPr lang="ja-JP" altLang="en-US"/>
           </a:p>
@@ -6830,7 +6830,7 @@
             <a:fld id="{486859C1-2773-5447-993A-E41CB1E373DC}" type="datetimeFigureOut">
               <a:rPr lang="ja-JP" altLang="en-US" smtClean="0"/>
               <a:pPr/>
-              <a:t>09.6.3</a:t>
+              <a:t>09.6.9</a:t>
             </a:fld>
             <a:endParaRPr lang="ja-JP" altLang="en-US"/>
           </a:p>
@@ -7158,7 +7158,7 @@
             <a:fld id="{486859C1-2773-5447-993A-E41CB1E373DC}" type="datetimeFigureOut">
               <a:rPr lang="ja-JP" altLang="en-US" smtClean="0"/>
               <a:pPr/>
-              <a:t>09.6.3</a:t>
+              <a:t>09.6.9</a:t>
             </a:fld>
             <a:endParaRPr lang="ja-JP" altLang="en-US"/>
           </a:p>
@@ -7516,7 +7516,7 @@
             <a:fld id="{486859C1-2773-5447-993A-E41CB1E373DC}" type="datetimeFigureOut">
               <a:rPr lang="ja-JP" altLang="en-US" smtClean="0"/>
               <a:pPr/>
-              <a:t>09.6.3</a:t>
+              <a:t>09.6.9</a:t>
             </a:fld>
             <a:endParaRPr lang="ja-JP" altLang="en-US"/>
           </a:p>
@@ -8170,16 +8170,13 @@
               </a:rPr>
               <a:t>)</a:t>
             </a:r>
+          </a:p>
+          <a:p>
             <a:endParaRPr lang="en-US" altLang="ja-JP" dirty="0" smtClean="0">
               <a:ea typeface="ヒラギノ丸ゴ Pro W4"/>
             </a:endParaRPr>
           </a:p>
           <a:p>
-            <a:endParaRPr lang="en-US" altLang="ja-JP" dirty="0" smtClean="0">
-              <a:ea typeface="ヒラギノ丸ゴ Pro W4"/>
-            </a:endParaRPr>
-          </a:p>
-          <a:p>
             <a:pPr>
               <a:buNone/>
             </a:pPr>
@@ -8187,13 +8184,31 @@
               <a:rPr lang="en-US" altLang="ja-JP" dirty="0" err="1" smtClean="0">
                 <a:ea typeface="ヒラギノ丸ゴ Pro W4"/>
               </a:rPr>
-              <a:t>【DBFlute</a:t>
+              <a:t>【</a:t>
+            </a:r>
+            <a:r>
+              <a:rPr lang="en-US" altLang="ja-JP" dirty="0" err="1" smtClean="0">
+                <a:ea typeface="ヒラギノ丸ゴ Pro W4"/>
+              </a:rPr>
+              <a:t>DBFlute</a:t>
             </a:r>
             <a:r>
               <a:rPr lang="ja-JP" altLang="en-US" dirty="0" smtClean="0">
                 <a:ea typeface="ヒラギノ丸ゴ Pro W4"/>
               </a:rPr>
-              <a:t>の制約</a:t>
+              <a:t>で</a:t>
+            </a:r>
+            <a:r>
+              <a:rPr lang="ja-JP" altLang="en-US" dirty="0" smtClean="0">
+                <a:ea typeface="ヒラギノ丸ゴ Pro W4"/>
+              </a:rPr>
+              <a:t>の</a:t>
+            </a:r>
+            <a:r>
+              <a:rPr lang="ja-JP" altLang="en-US" dirty="0" smtClean="0">
+                <a:ea typeface="ヒラギノ丸ゴ Pro W4"/>
+              </a:rPr>
+              <a:t>制限</a:t>
             </a:r>
             <a:r>
               <a:rPr lang="en-US" altLang="ja-JP" dirty="0" err="1" smtClean="0">
@@ -8415,13 +8430,31 @@
               <a:rPr lang="en-US" altLang="ja-JP" dirty="0" err="1" smtClean="0">
                 <a:ea typeface="ヒラギノ丸ゴ Pro W4"/>
               </a:rPr>
-              <a:t>【DBFlute</a:t>
+              <a:t>【</a:t>
+            </a:r>
+            <a:r>
+              <a:rPr lang="en-US" altLang="ja-JP" dirty="0" err="1" smtClean="0">
+                <a:ea typeface="ヒラギノ丸ゴ Pro W4"/>
+              </a:rPr>
+              <a:t>DBFlute</a:t>
             </a:r>
             <a:r>
               <a:rPr lang="ja-JP" altLang="en-US" dirty="0" smtClean="0">
                 <a:ea typeface="ヒラギノ丸ゴ Pro W4"/>
               </a:rPr>
-              <a:t>の制約</a:t>
+              <a:t>で</a:t>
+            </a:r>
+            <a:r>
+              <a:rPr lang="ja-JP" altLang="en-US" dirty="0" smtClean="0">
+                <a:ea typeface="ヒラギノ丸ゴ Pro W4"/>
+              </a:rPr>
+              <a:t>の</a:t>
+            </a:r>
+            <a:r>
+              <a:rPr lang="ja-JP" altLang="en-US" dirty="0" smtClean="0">
+                <a:ea typeface="ヒラギノ丸ゴ Pro W4"/>
+              </a:rPr>
+              <a:t>制限</a:t>
             </a:r>
             <a:r>
               <a:rPr lang="en-US" altLang="ja-JP" dirty="0" err="1" smtClean="0">
@@ -8532,13 +8565,7 @@
               <a:rPr lang="ja-JP" altLang="en-US" dirty="0" smtClean="0">
                 <a:ea typeface="ヒラギノ丸ゴ Pro W4"/>
               </a:rPr>
-              <a:t>名前に特殊記号を使うのを</a:t>
-            </a:r>
-            <a:r>
-              <a:rPr lang="ja-JP" altLang="en-US" dirty="0" smtClean="0">
-                <a:ea typeface="ヒラギノ丸ゴ Pro W4"/>
-              </a:rPr>
-              <a:t>やめよう</a:t>
+              <a:t>名前に特殊記号を使うのをやめよう</a:t>
             </a:r>
             <a:endParaRPr lang="ja-JP" altLang="en-US" dirty="0">
               <a:ea typeface="ヒラギノ丸ゴ Pro W4"/>
@@ -8602,13 +8629,31 @@
               <a:rPr lang="en-US" altLang="ja-JP" dirty="0" err="1" smtClean="0">
                 <a:ea typeface="ヒラギノ丸ゴ Pro W4"/>
               </a:rPr>
-              <a:t>【DBFlute</a:t>
+              <a:t>【</a:t>
+            </a:r>
+            <a:r>
+              <a:rPr lang="en-US" altLang="ja-JP" dirty="0" err="1" smtClean="0">
+                <a:ea typeface="ヒラギノ丸ゴ Pro W4"/>
+              </a:rPr>
+              <a:t>DBFlute</a:t>
             </a:r>
             <a:r>
               <a:rPr lang="ja-JP" altLang="en-US" dirty="0" smtClean="0">
                 <a:ea typeface="ヒラギノ丸ゴ Pro W4"/>
               </a:rPr>
-              <a:t>の制約</a:t>
+              <a:t>で</a:t>
+            </a:r>
+            <a:r>
+              <a:rPr lang="ja-JP" altLang="en-US" dirty="0" smtClean="0">
+                <a:ea typeface="ヒラギノ丸ゴ Pro W4"/>
+              </a:rPr>
+              <a:t>の</a:t>
+            </a:r>
+            <a:r>
+              <a:rPr lang="ja-JP" altLang="en-US" dirty="0" smtClean="0">
+                <a:ea typeface="ヒラギノ丸ゴ Pro W4"/>
+              </a:rPr>
+              <a:t>制限</a:t>
             </a:r>
             <a:r>
               <a:rPr lang="en-US" altLang="ja-JP" dirty="0" err="1" smtClean="0">
@@ -8716,37 +8761,7 @@
               <a:rPr lang="ja-JP" altLang="en-US" dirty="0" smtClean="0">
                 <a:ea typeface="ヒラギノ丸ゴ Pro W4"/>
               </a:rPr>
-              <a:t>名前</a:t>
-            </a:r>
-            <a:r>
-              <a:rPr lang="ja-JP" altLang="en-US" dirty="0" smtClean="0">
-                <a:ea typeface="ヒラギノ丸ゴ Pro W4"/>
-              </a:rPr>
-              <a:t>に</a:t>
-            </a:r>
-            <a:r>
-              <a:rPr lang="ja-JP" altLang="en-US" dirty="0" smtClean="0">
-                <a:ea typeface="ヒラギノ丸ゴ Pro W4"/>
-              </a:rPr>
-              <a:t>予約語</a:t>
-            </a:r>
-            <a:r>
-              <a:rPr lang="ja-JP" altLang="en-US" dirty="0" smtClean="0">
-                <a:ea typeface="ヒラギノ丸ゴ Pro W4"/>
-              </a:rPr>
-              <a:t>を</a:t>
-            </a:r>
-            <a:r>
-              <a:rPr lang="ja-JP" altLang="en-US" dirty="0" smtClean="0">
-                <a:ea typeface="ヒラギノ丸ゴ Pro W4"/>
-              </a:rPr>
-              <a:t>使うのを</a:t>
-            </a:r>
-            <a:r>
-              <a:rPr lang="ja-JP" altLang="en-US" dirty="0" smtClean="0">
-                <a:ea typeface="ヒラギノ丸ゴ Pro W4"/>
-              </a:rPr>
-              <a:t>やめよう</a:t>
+              <a:t>名前に予約語を使うのをやめよう</a:t>
             </a:r>
             <a:endParaRPr lang="ja-JP" altLang="en-US" dirty="0">
               <a:ea typeface="ヒラギノ丸ゴ Pro W4"/>
@@ -8810,13 +8825,31 @@
               <a:rPr lang="en-US" altLang="ja-JP" dirty="0" err="1" smtClean="0">
                 <a:ea typeface="ヒラギノ丸ゴ Pro W4"/>
               </a:rPr>
-              <a:t>【DBFlute</a:t>
+              <a:t>【</a:t>
+            </a:r>
+            <a:r>
+              <a:rPr lang="en-US" altLang="ja-JP" dirty="0" err="1" smtClean="0">
+                <a:ea typeface="ヒラギノ丸ゴ Pro W4"/>
+              </a:rPr>
+              <a:t>DBFlute</a:t>
             </a:r>
             <a:r>
               <a:rPr lang="ja-JP" altLang="en-US" dirty="0" smtClean="0">
                 <a:ea typeface="ヒラギノ丸ゴ Pro W4"/>
               </a:rPr>
-              <a:t>の制約</a:t>
+              <a:t>で</a:t>
+            </a:r>
+            <a:r>
+              <a:rPr lang="ja-JP" altLang="en-US" dirty="0" smtClean="0">
+                <a:ea typeface="ヒラギノ丸ゴ Pro W4"/>
+              </a:rPr>
+              <a:t>の</a:t>
+            </a:r>
+            <a:r>
+              <a:rPr lang="ja-JP" altLang="en-US" dirty="0" smtClean="0">
+                <a:ea typeface="ヒラギノ丸ゴ Pro W4"/>
+              </a:rPr>
+              <a:t>制限</a:t>
             </a:r>
             <a:r>
               <a:rPr lang="en-US" altLang="ja-JP" dirty="0" err="1" smtClean="0">
@@ -9033,13 +9066,25 @@
               <a:rPr lang="ja-JP" altLang="en-US" dirty="0" smtClean="0">
                 <a:ea typeface="ヒラギノ丸ゴ Pro W4"/>
               </a:rPr>
-              <a:t>チェック制約やトリガを使った制約など、突き詰めるとキリがなく完璧な制約にするのは至難ではあるが、対費用効果を考えて「ちょっとの頑張りで大きな効果が得られる制約」は積極的に付けていくのが良い。</a:t>
+              <a:t>チェック制約やトリガを使った制約など、突き詰めるとキリがなく完璧な制約にするのは至難ではあるが、対費用効果を考えて「ちょっとの頑張りで大きな効果が得られる制約」は積極的に付けていくのが</a:t>
+            </a:r>
+            <a:r>
+              <a:rPr lang="ja-JP" altLang="en-US" dirty="0" smtClean="0">
+                <a:ea typeface="ヒラギノ丸ゴ Pro W4"/>
+              </a:rPr>
+              <a:t>良い。</a:t>
             </a:r>
             <a:r>
               <a:rPr lang="en-US" altLang="ja-JP" dirty="0" smtClean="0">
                 <a:ea typeface="ヒラギノ丸ゴ Pro W4"/>
               </a:rPr>
-              <a:t>(PK/FK/UQ</a:t>
+              <a:t>(</a:t>
+            </a:r>
+            <a:r>
+              <a:rPr lang="en-US" altLang="ja-JP" dirty="0" smtClean="0">
+                <a:ea typeface="ヒラギノ丸ゴ Pro W4"/>
+              </a:rPr>
+              <a:t>PK/FK/UQ</a:t>
             </a:r>
             <a:r>
               <a:rPr lang="ja-JP" altLang="en-US" dirty="0" smtClean="0">
@@ -10184,39 +10229,27 @@
               <a:rPr lang="en-US" altLang="ja-JP" dirty="0" smtClean="0">
                 <a:ea typeface="ヒラギノ丸ゴ Pro W4"/>
               </a:rPr>
-              <a:t>H2 </a:t>
+              <a:t>H2 Database (Java</a:t>
+            </a:r>
+            <a:r>
+              <a:rPr lang="ja-JP" altLang="en-US" dirty="0" smtClean="0">
+                <a:ea typeface="ヒラギノ丸ゴ Pro W4"/>
+              </a:rPr>
+              <a:t>のみ</a:t>
             </a:r>
             <a:r>
               <a:rPr lang="en-US" altLang="ja-JP" dirty="0" smtClean="0">
                 <a:ea typeface="ヒラギノ丸ゴ Pro W4"/>
               </a:rPr>
-              <a:t>Database (Java</a:t>
-            </a:r>
-            <a:r>
-              <a:rPr lang="ja-JP" altLang="en-US" dirty="0" smtClean="0">
-                <a:ea typeface="ヒラギノ丸ゴ Pro W4"/>
-              </a:rPr>
-              <a:t>のみ</a:t>
-            </a:r>
+              <a:t>)</a:t>
+            </a:r>
+          </a:p>
+          <a:p>
             <a:r>
               <a:rPr lang="en-US" altLang="ja-JP" dirty="0" smtClean="0">
                 <a:ea typeface="ヒラギノ丸ゴ Pro W4"/>
               </a:rPr>
-              <a:t>)</a:t>
-            </a:r>
-          </a:p>
-          <a:p>
-            <a:r>
-              <a:rPr lang="en-US" altLang="ja-JP" dirty="0" smtClean="0">
-                <a:ea typeface="ヒラギノ丸ゴ Pro W4"/>
-              </a:rPr>
-              <a:t>Apache </a:t>
-            </a:r>
-            <a:r>
-              <a:rPr lang="en-US" altLang="ja-JP" dirty="0" smtClean="0">
-                <a:ea typeface="ヒラギノ丸ゴ Pro W4"/>
-              </a:rPr>
-              <a:t>Derby (Java</a:t>
+              <a:t>Apache Derby (Java</a:t>
             </a:r>
             <a:r>
               <a:rPr lang="ja-JP" altLang="en-US" dirty="0" smtClean="0">
@@ -10521,13 +10554,7 @@
               <a:rPr lang="ja-JP" altLang="en-US" dirty="0" smtClean="0">
                 <a:ea typeface="ヒラギノ丸ゴ Pro W4"/>
               </a:rPr>
-              <a:t>サポート</a:t>
-            </a:r>
-            <a:r>
-              <a:rPr lang="ja-JP" altLang="en-US" dirty="0" smtClean="0">
-                <a:ea typeface="ヒラギノ丸ゴ Pro W4"/>
-              </a:rPr>
-              <a:t>される</a:t>
+              <a:t>サポートされる</a:t>
             </a:r>
             <a:r>
               <a:rPr lang="en-US" altLang="ja-JP" dirty="0" smtClean="0">
@@ -10801,9 +10828,33 @@
               <a:rPr lang="ja-JP" altLang="en-US" dirty="0" smtClean="0">
                 <a:ea typeface="ヒラギノ丸ゴ Pro W4"/>
               </a:rPr>
-              <a:t>設計のマナー</a:t>
-            </a:r>
-            <a:endParaRPr lang="ja-JP" altLang="en-US" dirty="0">
+              <a:t>設計の</a:t>
+            </a:r>
+            <a:r>
+              <a:rPr lang="ja-JP" altLang="en-US" dirty="0" smtClean="0">
+                <a:ea typeface="ヒラギノ丸ゴ Pro W4"/>
+              </a:rPr>
+              <a:t>マナー</a:t>
+            </a:r>
+            <a:r>
+              <a:rPr lang="en-US" altLang="ja-JP" sz="1800" dirty="0" smtClean="0">
+                <a:ea typeface="ヒラギノ丸ゴ Pro W4"/>
+              </a:rPr>
+              <a:t>(on </a:t>
+            </a:r>
+            <a:r>
+              <a:rPr lang="en-US" altLang="ja-JP" sz="1800" dirty="0" err="1" smtClean="0">
+                <a:ea typeface="ヒラギノ丸ゴ Pro W4"/>
+              </a:rPr>
+              <a:t>DBFlute</a:t>
+            </a:r>
+            <a:r>
+              <a:rPr lang="en-US" altLang="ja-JP" sz="1800" dirty="0" smtClean="0">
+                <a:ea typeface="ヒラギノ丸ゴ Pro W4"/>
+              </a:rPr>
+              <a:t>)</a:t>
+            </a:r>
+            <a:endParaRPr lang="ja-JP" altLang="en-US" sz="1800" dirty="0">
               <a:ea typeface="ヒラギノ丸ゴ Pro W4"/>
             </a:endParaRPr>
           </a:p>
@@ -10944,19 +10995,7 @@
               <a:rPr lang="ja-JP" altLang="en-US" dirty="0" smtClean="0">
                 <a:ea typeface="ヒラギノ丸ゴ Pro W4"/>
               </a:rPr>
-              <a:t>名前に</a:t>
-            </a:r>
-            <a:r>
-              <a:rPr lang="ja-JP" altLang="en-US" dirty="0" smtClean="0">
-                <a:ea typeface="ヒラギノ丸ゴ Pro W4"/>
-              </a:rPr>
-              <a:t>予約語</a:t>
-            </a:r>
-            <a:r>
-              <a:rPr lang="ja-JP" altLang="en-US" dirty="0" smtClean="0">
-                <a:ea typeface="ヒラギノ丸ゴ Pro W4"/>
-              </a:rPr>
-              <a:t>を使うのをやめよう</a:t>
+              <a:t>名前に予約語を使うのをやめよう</a:t>
             </a:r>
             <a:endParaRPr lang="en-US" altLang="ja-JP" dirty="0" smtClean="0">
               <a:ea typeface="ヒラギノ丸ゴ Pro W4"/>
@@ -11024,13 +11063,7 @@
               <a:rPr kumimoji="1" lang="ja-JP" altLang="en-US" dirty="0" smtClean="0">
                 <a:ea typeface="ヒラギノ丸ゴ Pro W4"/>
               </a:rPr>
-              <a:t>みながら説明</a:t>
-            </a:r>
-            <a:r>
-              <a:rPr kumimoji="1" lang="ja-JP" altLang="en-US" dirty="0" smtClean="0">
-                <a:ea typeface="ヒラギノ丸ゴ Pro W4"/>
-              </a:rPr>
-              <a:t>します</a:t>
+              <a:t>みながら説明します</a:t>
             </a:r>
             <a:endParaRPr kumimoji="1" lang="ja-JP" altLang="en-US" dirty="0">
               <a:ea typeface="ヒラギノ丸ゴ Pro W4"/>
@@ -11158,13 +11191,31 @@
               <a:rPr lang="en-US" altLang="ja-JP" dirty="0" err="1" smtClean="0">
                 <a:ea typeface="ヒラギノ丸ゴ Pro W4"/>
               </a:rPr>
-              <a:t>【DBFlute</a:t>
+              <a:t>【</a:t>
+            </a:r>
+            <a:r>
+              <a:rPr lang="en-US" altLang="ja-JP" dirty="0" err="1" smtClean="0">
+                <a:ea typeface="ヒラギノ丸ゴ Pro W4"/>
+              </a:rPr>
+              <a:t>DBFlute</a:t>
             </a:r>
             <a:r>
               <a:rPr lang="ja-JP" altLang="en-US" dirty="0" smtClean="0">
                 <a:ea typeface="ヒラギノ丸ゴ Pro W4"/>
               </a:rPr>
-              <a:t>の制約</a:t>
+              <a:t>で</a:t>
+            </a:r>
+            <a:r>
+              <a:rPr lang="ja-JP" altLang="en-US" dirty="0" smtClean="0">
+                <a:ea typeface="ヒラギノ丸ゴ Pro W4"/>
+              </a:rPr>
+              <a:t>の</a:t>
+            </a:r>
+            <a:r>
+              <a:rPr lang="ja-JP" altLang="en-US" dirty="0" smtClean="0">
+                <a:ea typeface="ヒラギノ丸ゴ Pro W4"/>
+              </a:rPr>
+              <a:t>制限</a:t>
             </a:r>
             <a:r>
               <a:rPr lang="en-US" altLang="ja-JP" dirty="0" err="1" smtClean="0">
@@ -11225,9 +11276,6 @@
               </a:rPr>
               <a:t>)</a:t>
             </a:r>
-            <a:endParaRPr lang="en-US" altLang="ja-JP" dirty="0" smtClean="0">
-              <a:ea typeface="ヒラギノ丸ゴ Pro W4"/>
-            </a:endParaRPr>
           </a:p>
         </p:txBody>
       </p:sp>
@@ -11309,13 +11357,7 @@
               <a:rPr lang="ja-JP" altLang="en-US" sz="3600" dirty="0" smtClean="0">
                 <a:ea typeface="ヒラギノ丸ゴ Pro W4"/>
               </a:rPr>
-              <a:t>「</a:t>
-            </a:r>
-            <a:r>
-              <a:rPr lang="ja-JP" altLang="en-US" sz="3600" dirty="0" smtClean="0">
-                <a:ea typeface="ヒラギノ丸ゴ Pro W4"/>
-              </a:rPr>
-              <a:t>代理キー</a:t>
+              <a:t>「代理キー</a:t>
             </a:r>
             <a:r>
               <a:rPr lang="en-US" altLang="ja-JP" sz="3600" dirty="0" smtClean="0">
@@ -11360,7 +11402,7 @@
         <p:spPr/>
         <p:txBody>
           <a:bodyPr>
-            <a:normAutofit/>
+            <a:normAutofit fontScale="92500" lnSpcReduction="20000"/>
           </a:bodyPr>
           <a:lstStyle/>
           <a:p>
@@ -11397,18 +11439,59 @@
               <a:rPr lang="ja-JP" altLang="en-US" dirty="0" smtClean="0">
                 <a:ea typeface="ヒラギノ丸ゴ Pro W4"/>
               </a:rPr>
-              <a:t>上でもアプリケーション上でも扱いづらいため、一つの値で識別できるようにした方がいい。</a:t>
+              <a:t>上でもアプリケーション上でも扱いづらいため、一つの値で識別できるようにした方がいい</a:t>
+            </a:r>
+            <a:r>
+              <a:rPr lang="ja-JP" altLang="en-US" dirty="0" smtClean="0">
+                <a:ea typeface="ヒラギノ丸ゴ Pro W4"/>
+              </a:rPr>
+              <a:t>。</a:t>
             </a:r>
             <a:endParaRPr lang="en-US" altLang="ja-JP" dirty="0" smtClean="0">
               <a:ea typeface="ヒラギノ丸ゴ Pro W4"/>
             </a:endParaRPr>
           </a:p>
           <a:p>
+            <a:r>
+              <a:rPr lang="ja-JP" altLang="en-US" dirty="0" smtClean="0">
+                <a:ea typeface="ヒラギノ丸ゴ Pro W4"/>
+              </a:rPr>
+              <a:t>代理キー</a:t>
+            </a:r>
+            <a:r>
+              <a:rPr lang="en-US" altLang="ja-JP" dirty="0" smtClean="0">
+                <a:ea typeface="ヒラギノ丸ゴ Pro W4"/>
+              </a:rPr>
+              <a:t>PK</a:t>
+            </a:r>
+            <a:r>
+              <a:rPr lang="ja-JP" altLang="en-US" dirty="0" smtClean="0">
+                <a:ea typeface="ヒラギノ丸ゴ Pro W4"/>
+              </a:rPr>
+              <a:t>だけだとビジネス的な制約が無くなるので、必ずビジネスキーに</a:t>
+            </a:r>
+            <a:r>
+              <a:rPr lang="en-US" altLang="ja-JP" dirty="0" smtClean="0">
+                <a:ea typeface="ヒラギノ丸ゴ Pro W4"/>
+              </a:rPr>
+              <a:t>UQ</a:t>
+            </a:r>
+            <a:r>
+              <a:rPr lang="ja-JP" altLang="en-US" dirty="0" smtClean="0">
+                <a:ea typeface="ヒラギノ丸ゴ Pro W4"/>
+              </a:rPr>
+              <a:t>制約を付与すること。</a:t>
+            </a:r>
             <a:endParaRPr lang="en-US" altLang="ja-JP" dirty="0" smtClean="0">
               <a:ea typeface="ヒラギノ丸ゴ Pro W4"/>
             </a:endParaRPr>
           </a:p>
           <a:p>
+            <a:endParaRPr lang="en-US" altLang="ja-JP" dirty="0" smtClean="0">
+              <a:ea typeface="ヒラギノ丸ゴ Pro W4"/>
+            </a:endParaRPr>
+          </a:p>
+          <a:p>
             <a:pPr>
               <a:buNone/>
             </a:pPr>
@@ -11416,13 +11499,31 @@
               <a:rPr lang="en-US" altLang="ja-JP" dirty="0" err="1" smtClean="0">
                 <a:ea typeface="ヒラギノ丸ゴ Pro W4"/>
               </a:rPr>
-              <a:t>【DBFlute</a:t>
+              <a:t>【</a:t>
+            </a:r>
+            <a:r>
+              <a:rPr lang="en-US" altLang="ja-JP" dirty="0" err="1" smtClean="0">
+                <a:ea typeface="ヒラギノ丸ゴ Pro W4"/>
+              </a:rPr>
+              <a:t>DBFlute</a:t>
             </a:r>
             <a:r>
               <a:rPr lang="ja-JP" altLang="en-US" dirty="0" smtClean="0">
                 <a:ea typeface="ヒラギノ丸ゴ Pro W4"/>
               </a:rPr>
-              <a:t>の制約</a:t>
+              <a:t>で</a:t>
+            </a:r>
+            <a:r>
+              <a:rPr lang="ja-JP" altLang="en-US" dirty="0" smtClean="0">
+                <a:ea typeface="ヒラギノ丸ゴ Pro W4"/>
+              </a:rPr>
+              <a:t>の</a:t>
+            </a:r>
+            <a:r>
+              <a:rPr lang="ja-JP" altLang="en-US" dirty="0" smtClean="0">
+                <a:ea typeface="ヒラギノ丸ゴ Pro W4"/>
+              </a:rPr>
+              <a:t>制限</a:t>
             </a:r>
             <a:r>
               <a:rPr lang="en-US" altLang="ja-JP" dirty="0" err="1" smtClean="0">
